--- a/Documents/Z Store.pptx
+++ b/Documents/Z Store.pptx
@@ -24230,6 +24230,21 @@
               <a:rPr lang="en-IN" sz="2000" dirty="0"/>
               <a:t>Workbench-MySQL</a:t>
             </a:r>
+          </a:p>
+          <a:p>
+            <a:r>
+              <a:rPr lang="en-IN" b="1" dirty="0"/>
+              <a:t>Other:</a:t>
+            </a:r>
+            <a:r>
+              <a:rPr lang="en-IN" dirty="0"/>
+              <a:t> </a:t>
+            </a:r>
+            <a:r>
+              <a:rPr lang="en-IN" sz="2000" dirty="0"/>
+              <a:t>Celery, RabbitMQ, AWS</a:t>
+            </a:r>
+            <a:endParaRPr lang="en-IN" sz="2000" b="1" dirty="0"/>
           </a:p>
         </p:txBody>
       </p:sp>
@@ -24993,6 +25008,15 @@
 </file>
 
 <file path=customXml/item1.xml><?xml version="1.0" encoding="utf-8"?>
+<?mso-contentType ?>
+<FormTemplates xmlns="http://schemas.microsoft.com/sharepoint/v3/contenttype/forms">
+  <Display>DocumentLibraryForm</Display>
+  <Edit>DocumentLibraryForm</Edit>
+  <New>DocumentLibraryForm</New>
+</FormTemplates>
+</file>
+
+<file path=customXml/item2.xml><?xml version="1.0" encoding="utf-8"?>
 <p:properties xmlns:p="http://schemas.microsoft.com/office/2006/metadata/properties" xmlns:xsi="http://www.w3.org/2001/XMLSchema-instance" xmlns:pc="http://schemas.microsoft.com/office/infopath/2007/PartnerControls">
   <documentManagement>
     <_ip_UnifiedCompliancePolicyUIAction xmlns="http://schemas.microsoft.com/sharepoint/v3" xsi:nil="true"/>
@@ -25010,15 +25034,6 @@
     <MediaServiceKeyPoints xmlns="71af3243-3dd4-4a8d-8c0d-dd76da1f02a5" xsi:nil="true"/>
   </documentManagement>
 </p:properties>
-</file>
-
-<file path=customXml/item2.xml><?xml version="1.0" encoding="utf-8"?>
-<?mso-contentType ?>
-<FormTemplates xmlns="http://schemas.microsoft.com/sharepoint/v3/contenttype/forms">
-  <Display>DocumentLibraryForm</Display>
-  <Edit>DocumentLibraryForm</Edit>
-  <New>DocumentLibraryForm</New>
-</FormTemplates>
 </file>
 
 <file path=customXml/item3.xml><?xml version="1.0" encoding="utf-8"?>
@@ -25334,6 +25349,14 @@
 </file>
 
 <file path=customXml/itemProps1.xml><?xml version="1.0" encoding="utf-8"?>
+<ds:datastoreItem xmlns:ds="http://schemas.openxmlformats.org/officeDocument/2006/customXml" ds:itemID="{69060146-7700-4F6C-986B-89E3839BD4ED}">
+  <ds:schemaRefs>
+    <ds:schemaRef ds:uri="http://schemas.microsoft.com/sharepoint/v3/contenttype/forms"/>
+  </ds:schemaRefs>
+</ds:datastoreItem>
+</file>
+
+<file path=customXml/itemProps2.xml><?xml version="1.0" encoding="utf-8"?>
 <ds:datastoreItem xmlns:ds="http://schemas.openxmlformats.org/officeDocument/2006/customXml" ds:itemID="{D235FEF8-1733-4347-95CE-3BB62B2B8DD7}">
   <ds:schemaRefs>
     <ds:schemaRef ds:uri="http://schemas.microsoft.com/office/2006/metadata/properties"/>
@@ -25341,14 +25364,6 @@
     <ds:schemaRef ds:uri="http://schemas.microsoft.com/sharepoint/v3"/>
     <ds:schemaRef ds:uri="71af3243-3dd4-4a8d-8c0d-dd76da1f02a5"/>
     <ds:schemaRef ds:uri="230e9df3-be65-4c73-a93b-d1236ebd677e"/>
-  </ds:schemaRefs>
-</ds:datastoreItem>
-</file>
-
-<file path=customXml/itemProps2.xml><?xml version="1.0" encoding="utf-8"?>
-<ds:datastoreItem xmlns:ds="http://schemas.openxmlformats.org/officeDocument/2006/customXml" ds:itemID="{69060146-7700-4F6C-986B-89E3839BD4ED}">
-  <ds:schemaRefs>
-    <ds:schemaRef ds:uri="http://schemas.microsoft.com/sharepoint/v3/contenttype/forms"/>
   </ds:schemaRefs>
 </ds:datastoreItem>
 </file>

--- a/Documents/Z Store.pptx
+++ b/Documents/Z Store.pptx
@@ -5,18 +5,19 @@
     <p:sldMasterId id="2147483650" r:id="rId4"/>
   </p:sldMasterIdLst>
   <p:notesMasterIdLst>
-    <p:notesMasterId r:id="rId14"/>
+    <p:notesMasterId r:id="rId15"/>
   </p:notesMasterIdLst>
   <p:sldIdLst>
     <p:sldId id="278" r:id="rId5"/>
     <p:sldId id="279" r:id="rId6"/>
     <p:sldId id="280" r:id="rId7"/>
     <p:sldId id="284" r:id="rId8"/>
-    <p:sldId id="285" r:id="rId9"/>
-    <p:sldId id="286" r:id="rId10"/>
-    <p:sldId id="287" r:id="rId11"/>
-    <p:sldId id="288" r:id="rId12"/>
-    <p:sldId id="289" r:id="rId13"/>
+    <p:sldId id="290" r:id="rId9"/>
+    <p:sldId id="285" r:id="rId10"/>
+    <p:sldId id="286" r:id="rId11"/>
+    <p:sldId id="287" r:id="rId12"/>
+    <p:sldId id="288" r:id="rId13"/>
+    <p:sldId id="289" r:id="rId14"/>
   </p:sldIdLst>
   <p:sldSz cx="12192000" cy="6858000"/>
   <p:notesSz cx="13716000" cy="24384000"/>
@@ -23266,7 +23267,7 @@
           <a:p>
             <a:r>
               <a:rPr lang="en-US" sz="1600" dirty="0"/>
-              <a:t>A Platform for selling used or crafted product</a:t>
+              <a:t>A Platform for selling used product</a:t>
             </a:r>
           </a:p>
         </p:txBody>
@@ -23281,6 +23282,135 @@
   <p:clrMapOvr>
     <a:masterClrMapping/>
   </p:clrMapOvr>
+  <mc:AlternateContent xmlns:mc="http://schemas.openxmlformats.org/markup-compatibility/2006" xmlns:p14="http://schemas.microsoft.com/office/powerpoint/2010/main">
+    <mc:Choice Requires="p14">
+      <p:transition spd="slow" p14:dur="1500">
+        <p:split orient="vert"/>
+      </p:transition>
+    </mc:Choice>
+    <mc:Fallback xmlns="">
+      <p:transition spd="slow">
+        <p:split orient="vert"/>
+      </p:transition>
+    </mc:Fallback>
+  </mc:AlternateContent>
+</p:sld>
+</file>
+
+<file path=ppt/slides/slide10.xml><?xml version="1.0" encoding="utf-8"?>
+<p:sld xmlns:a="http://schemas.openxmlformats.org/drawingml/2006/main" xmlns:r="http://schemas.openxmlformats.org/officeDocument/2006/relationships" xmlns:p="http://schemas.openxmlformats.org/presentationml/2006/main">
+  <p:cSld>
+    <p:spTree>
+      <p:nvGrpSpPr>
+        <p:cNvPr id="1" name=""/>
+        <p:cNvGrpSpPr/>
+        <p:nvPr/>
+      </p:nvGrpSpPr>
+      <p:grpSpPr>
+        <a:xfrm>
+          <a:off x="0" y="0"/>
+          <a:ext cx="0" cy="0"/>
+          <a:chOff x="0" y="0"/>
+          <a:chExt cx="0" cy="0"/>
+        </a:xfrm>
+      </p:grpSpPr>
+      <p:sp>
+        <p:nvSpPr>
+          <p:cNvPr id="2" name="Title 1">
+            <a:extLst>
+              <a:ext uri="{FF2B5EF4-FFF2-40B4-BE49-F238E27FC236}">
+                <a16:creationId xmlns:a16="http://schemas.microsoft.com/office/drawing/2014/main" id="{8973A6A8-4024-CF9F-5B10-BD24C81269A9}"/>
+              </a:ext>
+            </a:extLst>
+          </p:cNvPr>
+          <p:cNvSpPr>
+            <a:spLocks noGrp="1"/>
+          </p:cNvSpPr>
+          <p:nvPr>
+            <p:ph type="ctrTitle"/>
+          </p:nvPr>
+        </p:nvSpPr>
+        <p:spPr/>
+        <p:txBody>
+          <a:bodyPr/>
+          <a:lstStyle/>
+          <a:p>
+            <a:r>
+              <a:rPr lang="en-IN" dirty="0"/>
+              <a:t>Thankyou</a:t>
+            </a:r>
+          </a:p>
+        </p:txBody>
+      </p:sp>
+      <p:sp>
+        <p:nvSpPr>
+          <p:cNvPr id="3" name="Subtitle 2">
+            <a:extLst>
+              <a:ext uri="{FF2B5EF4-FFF2-40B4-BE49-F238E27FC236}">
+                <a16:creationId xmlns:a16="http://schemas.microsoft.com/office/drawing/2014/main" id="{74684985-BCC0-EC24-133C-97DC580511E6}"/>
+              </a:ext>
+            </a:extLst>
+          </p:cNvPr>
+          <p:cNvSpPr>
+            <a:spLocks noGrp="1"/>
+          </p:cNvSpPr>
+          <p:nvPr>
+            <p:ph type="subTitle" idx="1"/>
+          </p:nvPr>
+        </p:nvSpPr>
+        <p:spPr/>
+        <p:txBody>
+          <a:bodyPr/>
+          <a:lstStyle/>
+          <a:p>
+            <a:r>
+              <a:rPr lang="en-IN" dirty="0"/>
+              <a:t>Done By </a:t>
+            </a:r>
+            <a:br>
+              <a:rPr lang="en-IN" dirty="0"/>
+            </a:br>
+            <a:r>
+              <a:rPr lang="en-IN" dirty="0"/>
+              <a:t>	Muhamed Ashiq</a:t>
+            </a:r>
+          </a:p>
+          <a:p>
+            <a:r>
+              <a:rPr lang="en-IN" dirty="0"/>
+              <a:t>	S3 RMCA B</a:t>
+            </a:r>
+          </a:p>
+          <a:p>
+            <a:r>
+              <a:rPr lang="en-IN" dirty="0"/>
+              <a:t>	</a:t>
+            </a:r>
+          </a:p>
+        </p:txBody>
+      </p:sp>
+    </p:spTree>
+    <p:extLst>
+      <p:ext uri="{BB962C8B-B14F-4D97-AF65-F5344CB8AC3E}">
+        <p14:creationId xmlns:p14="http://schemas.microsoft.com/office/powerpoint/2010/main" val="195378036"/>
+      </p:ext>
+    </p:extLst>
+  </p:cSld>
+  <p:clrMapOvr>
+    <a:masterClrMapping/>
+  </p:clrMapOvr>
+  <mc:AlternateContent xmlns:mc="http://schemas.openxmlformats.org/markup-compatibility/2006" xmlns:p15="http://schemas.microsoft.com/office/powerpoint/2012/main">
+    <mc:Choice Requires="p15">
+      <p:transition xmlns:p14="http://schemas.microsoft.com/office/powerpoint/2010/main" spd="slow" p14:dur="6000">
+        <p15:prstTrans prst="curtains"/>
+      </p:transition>
+    </mc:Choice>
+    <mc:Fallback xmlns="">
+      <p:transition spd="slow">
+        <p:fade/>
+      </p:transition>
+    </mc:Fallback>
+  </mc:AlternateContent>
 </p:sld>
 </file>
 
@@ -23417,6 +23547,18 @@
   <p:clrMapOvr>
     <a:masterClrMapping/>
   </p:clrMapOvr>
+  <mc:AlternateContent xmlns:mc="http://schemas.openxmlformats.org/markup-compatibility/2006" xmlns:p14="http://schemas.microsoft.com/office/powerpoint/2010/main">
+    <mc:Choice Requires="p14">
+      <p:transition spd="slow" p14:dur="1600">
+        <p14:prism isContent="1" isInverted="1"/>
+      </p:transition>
+    </mc:Choice>
+    <mc:Fallback xmlns="">
+      <p:transition spd="slow">
+        <p:fade/>
+      </p:transition>
+    </mc:Fallback>
+  </mc:AlternateContent>
 </p:sld>
 </file>
 
@@ -23496,6 +23638,15 @@
               <a:t>The "Z Store" project is a groundbreaking initiative set to redefine the online marketplace landscape. With a focus on diversity, sustainability, and technological innovation, this platform transcends the conventional boundaries of e-commerce. At its core, the e-store aims to create a virtual space that caters to a wide spectrum of products, ranging from old vintage treasures to high-priced commodities, high-end vintage electronics, and contemporary short-term used items.</a:t>
             </a:r>
           </a:p>
+          <a:p>
+            <a:endParaRPr lang="en-US" dirty="0"/>
+          </a:p>
+          <a:p>
+            <a:r>
+              <a:rPr lang="en-US" dirty="0"/>
+              <a:t>Main Highlight of this is the Bidding process involved in this, that gives user’s their choice to fix the amount and buy their product.</a:t>
+            </a:r>
+          </a:p>
         </p:txBody>
       </p:sp>
       <p:sp>
@@ -23565,6 +23716,18 @@
   <p:clrMapOvr>
     <a:masterClrMapping/>
   </p:clrMapOvr>
+  <mc:AlternateContent xmlns:mc="http://schemas.openxmlformats.org/markup-compatibility/2006" xmlns:p14="http://schemas.microsoft.com/office/powerpoint/2010/main">
+    <mc:Choice Requires="p14">
+      <p:transition spd="slow" p14:dur="1500">
+        <p:split orient="vert"/>
+      </p:transition>
+    </mc:Choice>
+    <mc:Fallback xmlns="">
+      <p:transition spd="slow">
+        <p:split orient="vert"/>
+      </p:transition>
+    </mc:Fallback>
+  </mc:AlternateContent>
 </p:sld>
 </file>
 
@@ -23723,7 +23886,7 @@
             <a:pPr lvl="1"/>
             <a:r>
               <a:rPr lang="en-US" sz="1700" dirty="0"/>
-              <a:t>"Normal User" refers to individuals who utilize the online marketplace for crafted products without engaging in administrative or specialized roles. Normal users primarily focus on exploring, browsing, and purchasing unique items offered by artisans and sellers within the platform. They benefit from features such as personalized accounts, streamlined browsing and searching options, and the ability to interact with the crafted products and the community.</a:t>
+              <a:t>"Normal User" refers to individuals who utilize the online marketplace for crafted products without engaging in administrative or specialized roles. Normal users primarily focus on exploring, browsing, and purchasing unique items offered by artisans and sellers within the platform. They benefit from features such as personalized accounts, streamlined browsing and searching options, and the ability to interact with the products bidding and also has the ability to sell their products into market.</a:t>
             </a:r>
             <a:endParaRPr lang="en-IN" sz="1700" dirty="0"/>
           </a:p>
@@ -23770,10 +23933,208 @@
   <p:clrMapOvr>
     <a:masterClrMapping/>
   </p:clrMapOvr>
+  <mc:AlternateContent xmlns:mc="http://schemas.openxmlformats.org/markup-compatibility/2006" xmlns:p14="http://schemas.microsoft.com/office/powerpoint/2010/main">
+    <mc:Choice Requires="p14">
+      <p:transition spd="slow">
+        <p14:flash/>
+      </p:transition>
+    </mc:Choice>
+    <mc:Fallback xmlns="">
+      <p:transition spd="slow">
+        <p:fade/>
+      </p:transition>
+    </mc:Fallback>
+  </mc:AlternateContent>
 </p:sld>
 </file>
 
 <file path=ppt/slides/slide5.xml><?xml version="1.0" encoding="utf-8"?>
+<p:sld xmlns:a="http://schemas.openxmlformats.org/drawingml/2006/main" xmlns:r="http://schemas.openxmlformats.org/officeDocument/2006/relationships" xmlns:p="http://schemas.openxmlformats.org/presentationml/2006/main">
+  <p:cSld>
+    <p:spTree>
+      <p:nvGrpSpPr>
+        <p:cNvPr id="1" name=""/>
+        <p:cNvGrpSpPr/>
+        <p:nvPr/>
+      </p:nvGrpSpPr>
+      <p:grpSpPr>
+        <a:xfrm>
+          <a:off x="0" y="0"/>
+          <a:ext cx="0" cy="0"/>
+          <a:chOff x="0" y="0"/>
+          <a:chExt cx="0" cy="0"/>
+        </a:xfrm>
+      </p:grpSpPr>
+      <p:sp>
+        <p:nvSpPr>
+          <p:cNvPr id="2" name="Title 1">
+            <a:extLst>
+              <a:ext uri="{FF2B5EF4-FFF2-40B4-BE49-F238E27FC236}">
+                <a16:creationId xmlns:a16="http://schemas.microsoft.com/office/drawing/2014/main" id="{884B311B-3177-0658-3585-6639F26A9BF6}"/>
+              </a:ext>
+            </a:extLst>
+          </p:cNvPr>
+          <p:cNvSpPr>
+            <a:spLocks noGrp="1"/>
+          </p:cNvSpPr>
+          <p:nvPr>
+            <p:ph type="title"/>
+          </p:nvPr>
+        </p:nvSpPr>
+        <p:spPr>
+          <a:xfrm>
+            <a:off x="758952" y="832104"/>
+            <a:ext cx="10671048" cy="768096"/>
+          </a:xfrm>
+        </p:spPr>
+        <p:txBody>
+          <a:bodyPr/>
+          <a:lstStyle/>
+          <a:p>
+            <a:r>
+              <a:rPr lang="en-IN" altLang="zh-CN" sz="4400" b="1" dirty="0">
+                <a:solidFill>
+                  <a:schemeClr val="accent6"/>
+                </a:solidFill>
+                <a:latin typeface="Arial Black" panose="020B0604020202020204" pitchFamily="34" charset="0"/>
+                <a:cs typeface="Arial Black" panose="020B0604020202020204" pitchFamily="34" charset="0"/>
+              </a:rPr>
+              <a:t>User’s</a:t>
+            </a:r>
+            <a:endParaRPr lang="en-US" sz="4400" b="1" dirty="0">
+              <a:solidFill>
+                <a:schemeClr val="accent6"/>
+              </a:solidFill>
+              <a:latin typeface="Arial Black" panose="020B0604020202020204" pitchFamily="34" charset="0"/>
+              <a:cs typeface="Arial Black" panose="020B0604020202020204" pitchFamily="34" charset="0"/>
+            </a:endParaRPr>
+          </a:p>
+        </p:txBody>
+      </p:sp>
+      <p:sp>
+        <p:nvSpPr>
+          <p:cNvPr id="7" name="Footer Placeholder 6">
+            <a:extLst>
+              <a:ext uri="{FF2B5EF4-FFF2-40B4-BE49-F238E27FC236}">
+                <a16:creationId xmlns:a16="http://schemas.microsoft.com/office/drawing/2014/main" id="{3A122237-B06F-5E42-B051-D7859FC21D7D}"/>
+              </a:ext>
+            </a:extLst>
+          </p:cNvPr>
+          <p:cNvSpPr>
+            <a:spLocks noGrp="1"/>
+          </p:cNvSpPr>
+          <p:nvPr>
+            <p:ph type="ftr" sz="quarter" idx="11"/>
+          </p:nvPr>
+        </p:nvSpPr>
+        <p:spPr/>
+        <p:txBody>
+          <a:bodyPr/>
+          <a:lstStyle/>
+          <a:p>
+            <a:r>
+              <a:rPr lang="en-US" dirty="0"/>
+              <a:t>Z Store</a:t>
+            </a:r>
+          </a:p>
+        </p:txBody>
+      </p:sp>
+      <p:sp>
+        <p:nvSpPr>
+          <p:cNvPr id="8" name="Slide Number Placeholder 7">
+            <a:extLst>
+              <a:ext uri="{FF2B5EF4-FFF2-40B4-BE49-F238E27FC236}">
+                <a16:creationId xmlns:a16="http://schemas.microsoft.com/office/drawing/2014/main" id="{AECF22D2-2B16-C40D-AA90-609B5CD08B3D}"/>
+              </a:ext>
+            </a:extLst>
+          </p:cNvPr>
+          <p:cNvSpPr>
+            <a:spLocks noGrp="1"/>
+          </p:cNvSpPr>
+          <p:nvPr>
+            <p:ph type="sldNum" sz="quarter" idx="12"/>
+          </p:nvPr>
+        </p:nvSpPr>
+        <p:spPr/>
+        <p:txBody>
+          <a:bodyPr/>
+          <a:lstStyle/>
+          <a:p>
+            <a:fld id="{48F63A3B-78C7-47BE-AE5E-E10140E04643}" type="slidenum">
+              <a:rPr lang="en-US" smtClean="0"/>
+              <a:t>5</a:t>
+            </a:fld>
+            <a:endParaRPr lang="en-US" dirty="0"/>
+          </a:p>
+        </p:txBody>
+      </p:sp>
+      <p:sp>
+        <p:nvSpPr>
+          <p:cNvPr id="4" name="Content Placeholder 3">
+            <a:extLst>
+              <a:ext uri="{FF2B5EF4-FFF2-40B4-BE49-F238E27FC236}">
+                <a16:creationId xmlns:a16="http://schemas.microsoft.com/office/drawing/2014/main" id="{8328719C-77BB-FA2A-C772-304A48E8C05F}"/>
+              </a:ext>
+            </a:extLst>
+          </p:cNvPr>
+          <p:cNvSpPr>
+            <a:spLocks noGrp="1"/>
+          </p:cNvSpPr>
+          <p:nvPr>
+            <p:ph sz="half" idx="1"/>
+          </p:nvPr>
+        </p:nvSpPr>
+        <p:spPr>
+          <a:xfrm>
+            <a:off x="758952" y="1476306"/>
+            <a:ext cx="10680192" cy="5148612"/>
+          </a:xfrm>
+        </p:spPr>
+        <p:txBody>
+          <a:bodyPr/>
+          <a:lstStyle/>
+          <a:p>
+            <a:r>
+              <a:rPr lang="en-IN" sz="2200" b="1" dirty="0"/>
+              <a:t>Delivery Boy</a:t>
+            </a:r>
+          </a:p>
+          <a:p>
+            <a:pPr lvl="1"/>
+            <a:r>
+              <a:rPr lang="en-US" sz="1700" dirty="0"/>
+              <a:t>Main Purpose of delivery boy is to deliver the product from the seller to the buyer, here each delivery boy will be having a weightage on them according to their work load, if a delivery boy has lesser work load, he will be assigned with that task</a:t>
+            </a:r>
+            <a:endParaRPr lang="en-IN" sz="1700" dirty="0"/>
+          </a:p>
+        </p:txBody>
+      </p:sp>
+    </p:spTree>
+    <p:extLst>
+      <p:ext uri="{BB962C8B-B14F-4D97-AF65-F5344CB8AC3E}">
+        <p14:creationId xmlns:p14="http://schemas.microsoft.com/office/powerpoint/2010/main" val="4014580065"/>
+      </p:ext>
+    </p:extLst>
+  </p:cSld>
+  <p:clrMapOvr>
+    <a:masterClrMapping/>
+  </p:clrMapOvr>
+  <mc:AlternateContent xmlns:mc="http://schemas.openxmlformats.org/markup-compatibility/2006" xmlns:p14="http://schemas.microsoft.com/office/powerpoint/2010/main">
+    <mc:Choice Requires="p14">
+      <p:transition spd="slow">
+        <p14:flash/>
+      </p:transition>
+    </mc:Choice>
+    <mc:Fallback xmlns="">
+      <p:transition spd="slow">
+        <p:fade/>
+      </p:transition>
+    </mc:Fallback>
+  </mc:AlternateContent>
+</p:sld>
+</file>
+
+<file path=ppt/slides/slide6.xml><?xml version="1.0" encoding="utf-8"?>
 <p:sld xmlns:a="http://schemas.openxmlformats.org/drawingml/2006/main" xmlns:r="http://schemas.openxmlformats.org/officeDocument/2006/relationships" xmlns:p="http://schemas.openxmlformats.org/presentationml/2006/main">
   <p:cSld>
     <p:spTree>
@@ -23896,6 +24257,24 @@
               <a:rPr lang="en-US" sz="1400" dirty="0"/>
               <a:t>Include fields for product descriptions, images, pricing, and other relevant information.</a:t>
             </a:r>
+            <a:endParaRPr lang="en-US" sz="1400" b="1" dirty="0"/>
+          </a:p>
+          <a:p>
+            <a:pPr marL="342900" indent="-342900">
+              <a:buFont typeface="Arial" panose="020B0604020202020204" pitchFamily="34" charset="0"/>
+              <a:buChar char="•"/>
+            </a:pPr>
+            <a:r>
+              <a:rPr lang="en-US" sz="1800" b="1" dirty="0"/>
+              <a:t>Product Bidding</a:t>
+            </a:r>
+          </a:p>
+          <a:p>
+            <a:pPr marL="690372" lvl="1" indent="-342900"/>
+            <a:r>
+              <a:rPr lang="en-US" sz="1400" dirty="0"/>
+              <a:t>Here the User’s are provided with an option to buy the product for a particular bid </a:t>
+            </a:r>
           </a:p>
           <a:p>
             <a:pPr marL="342900" indent="-342900">
@@ -23936,30 +24315,6 @@
             <a:r>
               <a:rPr lang="en-US" sz="1400" dirty="0"/>
               <a:t>Implement a secure and user-friendly checkout process for completing transactions.</a:t>
-            </a:r>
-          </a:p>
-          <a:p>
-            <a:pPr marL="342900" indent="-342900">
-              <a:buFont typeface="Arial" panose="020B0604020202020204" pitchFamily="34" charset="0"/>
-              <a:buChar char="•"/>
-            </a:pPr>
-            <a:r>
-              <a:rPr lang="en-US" sz="1800" b="1" dirty="0"/>
-              <a:t>Admin Dashboard:</a:t>
-            </a:r>
-          </a:p>
-          <a:p>
-            <a:pPr marL="690372" lvl="1" indent="-342900"/>
-            <a:r>
-              <a:rPr lang="en-US" sz="1400" dirty="0"/>
-              <a:t>Provide administrators with a centralized dashboard for managing the platform.</a:t>
-            </a:r>
-          </a:p>
-          <a:p>
-            <a:pPr marL="690372" lvl="1" indent="-342900"/>
-            <a:r>
-              <a:rPr lang="en-US" sz="1400" dirty="0"/>
-              <a:t>Include tools for adding, editing, or removing crafted products.</a:t>
             </a:r>
           </a:p>
         </p:txBody>
@@ -23974,10 +24329,13 @@
   <p:clrMapOvr>
     <a:masterClrMapping/>
   </p:clrMapOvr>
+  <p:transition spd="slow">
+    <p:randomBar dir="vert"/>
+  </p:transition>
 </p:sld>
 </file>
 
-<file path=ppt/slides/slide6.xml><?xml version="1.0" encoding="utf-8"?>
+<file path=ppt/slides/slide7.xml><?xml version="1.0" encoding="utf-8"?>
 <p:sld xmlns:a="http://schemas.openxmlformats.org/drawingml/2006/main" xmlns:r="http://schemas.openxmlformats.org/officeDocument/2006/relationships" xmlns:p="http://schemas.openxmlformats.org/presentationml/2006/main">
   <p:cSld>
     <p:spTree>
@@ -24082,8 +24440,8 @@
               <a:buChar char="•"/>
             </a:pPr>
             <a:r>
-              <a:rPr lang="en-US" sz="1800" dirty="0"/>
-              <a:t>Delivery Man</a:t>
+              <a:rPr lang="en-US" sz="1800" b="1" dirty="0"/>
+              <a:t>Delivery Man:</a:t>
             </a:r>
           </a:p>
           <a:p>
@@ -24097,12 +24455,37 @@
             <a:pPr marL="633222" lvl="1" indent="-285750"/>
             <a:r>
               <a:rPr lang="en-US" sz="1400" dirty="0"/>
-              <a:t>Can choose a order after being placed and can be made a choice by delivery man </a:t>
+              <a:t>Can choose a order after being placed and can be made a choice by delivery man to opt it or not</a:t>
             </a:r>
+          </a:p>
+          <a:p>
+            <a:pPr marL="342900" indent="-342900">
+              <a:buFont typeface="Arial" panose="020B0604020202020204" pitchFamily="34" charset="0"/>
+              <a:buChar char="•"/>
+            </a:pPr>
             <a:r>
-              <a:rPr lang="en-US" sz="1400"/>
-              <a:t>to opt it or not</a:t>
+              <a:rPr lang="en-US" sz="1800" b="1" dirty="0"/>
+              <a:t>Admin Dashboard:</a:t>
             </a:r>
+          </a:p>
+          <a:p>
+            <a:pPr marL="690372" lvl="1" indent="-342900"/>
+            <a:r>
+              <a:rPr lang="en-US" sz="1400" dirty="0"/>
+              <a:t>Provide administrators with a centralized dashboard for managing the platform.</a:t>
+            </a:r>
+          </a:p>
+          <a:p>
+            <a:pPr marL="690372" lvl="1" indent="-342900"/>
+            <a:r>
+              <a:rPr lang="en-US" sz="1400" dirty="0"/>
+              <a:t>Include tools for adding, editing, or removing crafted products.</a:t>
+            </a:r>
+          </a:p>
+          <a:p>
+            <a:pPr lvl="1" indent="0">
+              <a:buNone/>
+            </a:pPr>
             <a:endParaRPr lang="en-US" sz="1400" dirty="0"/>
           </a:p>
           <a:p>
@@ -24123,10 +24506,22 @@
   <p:clrMapOvr>
     <a:masterClrMapping/>
   </p:clrMapOvr>
+  <mc:AlternateContent xmlns:mc="http://schemas.openxmlformats.org/markup-compatibility/2006" xmlns:p14="http://schemas.microsoft.com/office/powerpoint/2010/main">
+    <mc:Choice Requires="p14">
+      <p:transition spd="slow" p14:dur="1250">
+        <p14:switch dir="r"/>
+      </p:transition>
+    </mc:Choice>
+    <mc:Fallback xmlns="">
+      <p:transition spd="slow">
+        <p:fade/>
+      </p:transition>
+    </mc:Fallback>
+  </mc:AlternateContent>
 </p:sld>
 </file>
 
-<file path=ppt/slides/slide7.xml><?xml version="1.0" encoding="utf-8"?>
+<file path=ppt/slides/slide8.xml><?xml version="1.0" encoding="utf-8"?>
 <p:sld xmlns:a="http://schemas.openxmlformats.org/drawingml/2006/main" xmlns:r="http://schemas.openxmlformats.org/officeDocument/2006/relationships" xmlns:p="http://schemas.openxmlformats.org/presentationml/2006/main">
   <p:cSld>
     <p:spTree>
@@ -24194,8 +24589,8 @@
         </p:nvSpPr>
         <p:spPr>
           <a:xfrm>
-            <a:off x="1545336" y="2846832"/>
-            <a:ext cx="4855464" cy="2176272"/>
+            <a:off x="1545335" y="2846832"/>
+            <a:ext cx="9714335" cy="2176272"/>
           </a:xfrm>
         </p:spPr>
         <p:txBody>
@@ -24242,7 +24637,7 @@
             </a:r>
             <a:r>
               <a:rPr lang="en-IN" sz="2000" dirty="0"/>
-              <a:t>Celery, RabbitMQ, AWS</a:t>
+              <a:t>Celery, RabbitMQ, AWS (EC2 Instance), Image Processing Using CNN.</a:t>
             </a:r>
             <a:endParaRPr lang="en-IN" sz="2000" b="1" dirty="0"/>
           </a:p>
@@ -24258,10 +24653,22 @@
   <p:clrMapOvr>
     <a:masterClrMapping/>
   </p:clrMapOvr>
+  <mc:AlternateContent xmlns:mc="http://schemas.openxmlformats.org/markup-compatibility/2006" xmlns:p14="http://schemas.microsoft.com/office/powerpoint/2010/main">
+    <mc:Choice Requires="p14">
+      <p:transition spd="slow" p14:dur="800">
+        <p14:flythrough/>
+      </p:transition>
+    </mc:Choice>
+    <mc:Fallback xmlns="">
+      <p:transition spd="slow">
+        <p:fade/>
+      </p:transition>
+    </mc:Fallback>
+  </mc:AlternateContent>
 </p:sld>
 </file>
 
-<file path=ppt/slides/slide8.xml><?xml version="1.0" encoding="utf-8"?>
+<file path=ppt/slides/slide9.xml><?xml version="1.0" encoding="utf-8"?>
 <p:sld xmlns:a="http://schemas.openxmlformats.org/drawingml/2006/main" xmlns:r="http://schemas.openxmlformats.org/officeDocument/2006/relationships" xmlns:p="http://schemas.openxmlformats.org/presentationml/2006/main">
   <p:cSld>
     <p:spTree>
@@ -24387,7 +24794,7 @@
           <a:p>
             <a:fld id="{48F63A3B-78C7-47BE-AE5E-E10140E04643}" type="slidenum">
               <a:rPr lang="en-US" smtClean="0"/>
-              <a:t>8</a:t>
+              <a:t>9</a:t>
             </a:fld>
             <a:endParaRPr lang="en-US" dirty="0"/>
           </a:p>
@@ -24403,111 +24810,18 @@
   <p:clrMapOvr>
     <a:masterClrMapping/>
   </p:clrMapOvr>
-</p:sld>
-</file>
-
-<file path=ppt/slides/slide9.xml><?xml version="1.0" encoding="utf-8"?>
-<p:sld xmlns:a="http://schemas.openxmlformats.org/drawingml/2006/main" xmlns:r="http://schemas.openxmlformats.org/officeDocument/2006/relationships" xmlns:p="http://schemas.openxmlformats.org/presentationml/2006/main">
-  <p:cSld>
-    <p:spTree>
-      <p:nvGrpSpPr>
-        <p:cNvPr id="1" name=""/>
-        <p:cNvGrpSpPr/>
-        <p:nvPr/>
-      </p:nvGrpSpPr>
-      <p:grpSpPr>
-        <a:xfrm>
-          <a:off x="0" y="0"/>
-          <a:ext cx="0" cy="0"/>
-          <a:chOff x="0" y="0"/>
-          <a:chExt cx="0" cy="0"/>
-        </a:xfrm>
-      </p:grpSpPr>
-      <p:sp>
-        <p:nvSpPr>
-          <p:cNvPr id="2" name="Title 1">
-            <a:extLst>
-              <a:ext uri="{FF2B5EF4-FFF2-40B4-BE49-F238E27FC236}">
-                <a16:creationId xmlns:a16="http://schemas.microsoft.com/office/drawing/2014/main" id="{8973A6A8-4024-CF9F-5B10-BD24C81269A9}"/>
-              </a:ext>
-            </a:extLst>
-          </p:cNvPr>
-          <p:cNvSpPr>
-            <a:spLocks noGrp="1"/>
-          </p:cNvSpPr>
-          <p:nvPr>
-            <p:ph type="ctrTitle"/>
-          </p:nvPr>
-        </p:nvSpPr>
-        <p:spPr/>
-        <p:txBody>
-          <a:bodyPr/>
-          <a:lstStyle/>
-          <a:p>
-            <a:r>
-              <a:rPr lang="en-IN" dirty="0"/>
-              <a:t>Thankyou</a:t>
-            </a:r>
-          </a:p>
-        </p:txBody>
-      </p:sp>
-      <p:sp>
-        <p:nvSpPr>
-          <p:cNvPr id="3" name="Subtitle 2">
-            <a:extLst>
-              <a:ext uri="{FF2B5EF4-FFF2-40B4-BE49-F238E27FC236}">
-                <a16:creationId xmlns:a16="http://schemas.microsoft.com/office/drawing/2014/main" id="{74684985-BCC0-EC24-133C-97DC580511E6}"/>
-              </a:ext>
-            </a:extLst>
-          </p:cNvPr>
-          <p:cNvSpPr>
-            <a:spLocks noGrp="1"/>
-          </p:cNvSpPr>
-          <p:nvPr>
-            <p:ph type="subTitle" idx="1"/>
-          </p:nvPr>
-        </p:nvSpPr>
-        <p:spPr/>
-        <p:txBody>
-          <a:bodyPr/>
-          <a:lstStyle/>
-          <a:p>
-            <a:r>
-              <a:rPr lang="en-IN" dirty="0"/>
-              <a:t>Done By </a:t>
-            </a:r>
-            <a:br>
-              <a:rPr lang="en-IN" dirty="0"/>
-            </a:br>
-            <a:r>
-              <a:rPr lang="en-IN" dirty="0"/>
-              <a:t>	Muhamed Ashiq</a:t>
-            </a:r>
-          </a:p>
-          <a:p>
-            <a:r>
-              <a:rPr lang="en-IN" dirty="0"/>
-              <a:t>	S3 RMCA B</a:t>
-            </a:r>
-          </a:p>
-          <a:p>
-            <a:r>
-              <a:rPr lang="en-IN" dirty="0"/>
-              <a:t>	</a:t>
-            </a:r>
-          </a:p>
-        </p:txBody>
-      </p:sp>
-    </p:spTree>
-    <p:extLst>
-      <p:ext uri="{BB962C8B-B14F-4D97-AF65-F5344CB8AC3E}">
-        <p14:creationId xmlns:p14="http://schemas.microsoft.com/office/powerpoint/2010/main" val="195378036"/>
-      </p:ext>
-    </p:extLst>
-  </p:cSld>
-  <p:clrMapOvr>
-    <a:masterClrMapping/>
-  </p:clrMapOvr>
+  <mc:AlternateContent xmlns:mc="http://schemas.openxmlformats.org/markup-compatibility/2006" xmlns:p14="http://schemas.microsoft.com/office/powerpoint/2010/main">
+    <mc:Choice Requires="p14">
+      <p:transition spd="slow" p14:dur="1400">
+        <p14:doors dir="vert"/>
+      </p:transition>
+    </mc:Choice>
+    <mc:Fallback xmlns="">
+      <p:transition spd="slow">
+        <p:fade/>
+      </p:transition>
+    </mc:Fallback>
+  </mc:AlternateContent>
 </p:sld>
 </file>
 
